--- a/figures/comparability_design.pptx
+++ b/figures/comparability_design.pptx
@@ -104,6 +104,11 @@
       </a:defRPr>
     </a:lvl9pPr>
   </p:defaultTextStyle>
+  <p:extLst>
+    <p:ext uri="{EFAFB233-063F-42B5-8137-9DF3F51BA10A}">
+      <p15:sldGuideLst xmlns:p15="http://schemas.microsoft.com/office/powerpoint/2012/main"/>
+    </p:ext>
+  </p:extLst>
 </p:presentation>
 </file>
 
@@ -254,7 +259,7 @@
           <a:p>
             <a:fld id="{C4B700A7-29C9-AC4A-9413-14030CAA389C}" type="datetimeFigureOut">
               <a:rPr lang="en-US" smtClean="0"/>
-              <a:t>6/2/25</a:t>
+              <a:t>7/8/25</a:t>
             </a:fld>
             <a:endParaRPr lang="en-US"/>
           </a:p>
@@ -452,7 +457,7 @@
           <a:p>
             <a:fld id="{C4B700A7-29C9-AC4A-9413-14030CAA389C}" type="datetimeFigureOut">
               <a:rPr lang="en-US" smtClean="0"/>
-              <a:t>6/2/25</a:t>
+              <a:t>7/8/25</a:t>
             </a:fld>
             <a:endParaRPr lang="en-US"/>
           </a:p>
@@ -660,7 +665,7 @@
           <a:p>
             <a:fld id="{C4B700A7-29C9-AC4A-9413-14030CAA389C}" type="datetimeFigureOut">
               <a:rPr lang="en-US" smtClean="0"/>
-              <a:t>6/2/25</a:t>
+              <a:t>7/8/25</a:t>
             </a:fld>
             <a:endParaRPr lang="en-US"/>
           </a:p>
@@ -858,7 +863,7 @@
           <a:p>
             <a:fld id="{C4B700A7-29C9-AC4A-9413-14030CAA389C}" type="datetimeFigureOut">
               <a:rPr lang="en-US" smtClean="0"/>
-              <a:t>6/2/25</a:t>
+              <a:t>7/8/25</a:t>
             </a:fld>
             <a:endParaRPr lang="en-US"/>
           </a:p>
@@ -1133,7 +1138,7 @@
           <a:p>
             <a:fld id="{C4B700A7-29C9-AC4A-9413-14030CAA389C}" type="datetimeFigureOut">
               <a:rPr lang="en-US" smtClean="0"/>
-              <a:t>6/2/25</a:t>
+              <a:t>7/8/25</a:t>
             </a:fld>
             <a:endParaRPr lang="en-US"/>
           </a:p>
@@ -1398,7 +1403,7 @@
           <a:p>
             <a:fld id="{C4B700A7-29C9-AC4A-9413-14030CAA389C}" type="datetimeFigureOut">
               <a:rPr lang="en-US" smtClean="0"/>
-              <a:t>6/2/25</a:t>
+              <a:t>7/8/25</a:t>
             </a:fld>
             <a:endParaRPr lang="en-US"/>
           </a:p>
@@ -1810,7 +1815,7 @@
           <a:p>
             <a:fld id="{C4B700A7-29C9-AC4A-9413-14030CAA389C}" type="datetimeFigureOut">
               <a:rPr lang="en-US" smtClean="0"/>
-              <a:t>6/2/25</a:t>
+              <a:t>7/8/25</a:t>
             </a:fld>
             <a:endParaRPr lang="en-US"/>
           </a:p>
@@ -1951,7 +1956,7 @@
           <a:p>
             <a:fld id="{C4B700A7-29C9-AC4A-9413-14030CAA389C}" type="datetimeFigureOut">
               <a:rPr lang="en-US" smtClean="0"/>
-              <a:t>6/2/25</a:t>
+              <a:t>7/8/25</a:t>
             </a:fld>
             <a:endParaRPr lang="en-US"/>
           </a:p>
@@ -2064,7 +2069,7 @@
           <a:p>
             <a:fld id="{C4B700A7-29C9-AC4A-9413-14030CAA389C}" type="datetimeFigureOut">
               <a:rPr lang="en-US" smtClean="0"/>
-              <a:t>6/2/25</a:t>
+              <a:t>7/8/25</a:t>
             </a:fld>
             <a:endParaRPr lang="en-US"/>
           </a:p>
@@ -2375,7 +2380,7 @@
           <a:p>
             <a:fld id="{C4B700A7-29C9-AC4A-9413-14030CAA389C}" type="datetimeFigureOut">
               <a:rPr lang="en-US" smtClean="0"/>
-              <a:t>6/2/25</a:t>
+              <a:t>7/8/25</a:t>
             </a:fld>
             <a:endParaRPr lang="en-US"/>
           </a:p>
@@ -2663,7 +2668,7 @@
           <a:p>
             <a:fld id="{C4B700A7-29C9-AC4A-9413-14030CAA389C}" type="datetimeFigureOut">
               <a:rPr lang="en-US" smtClean="0"/>
-              <a:t>6/2/25</a:t>
+              <a:t>7/8/25</a:t>
             </a:fld>
             <a:endParaRPr lang="en-US"/>
           </a:p>
@@ -2904,7 +2909,7 @@
           <a:p>
             <a:fld id="{C4B700A7-29C9-AC4A-9413-14030CAA389C}" type="datetimeFigureOut">
               <a:rPr lang="en-US" smtClean="0"/>
-              <a:t>6/2/25</a:t>
+              <a:t>7/8/25</a:t>
             </a:fld>
             <a:endParaRPr lang="en-US"/>
           </a:p>
@@ -3323,10 +3328,10 @@
       </p:grpSpPr>
       <p:grpSp>
         <p:nvGrpSpPr>
-          <p:cNvPr id="32" name="Group 31">
-            <a:extLst>
-              <a:ext uri="{FF2B5EF4-FFF2-40B4-BE49-F238E27FC236}">
-                <a16:creationId xmlns:a16="http://schemas.microsoft.com/office/drawing/2014/main" id="{6D6C79F4-0D77-AAC5-91E0-FE09D0DE5458}"/>
+          <p:cNvPr id="2" name="Group 1">
+            <a:extLst>
+              <a:ext uri="{FF2B5EF4-FFF2-40B4-BE49-F238E27FC236}">
+                <a16:creationId xmlns:a16="http://schemas.microsoft.com/office/drawing/2014/main" id="{08FC2219-28D6-B49D-9115-DED84E8376E5}"/>
               </a:ext>
             </a:extLst>
           </p:cNvPr>
@@ -3335,10 +3340,10 @@
         </p:nvGrpSpPr>
         <p:grpSpPr>
           <a:xfrm>
-            <a:off x="-221673" y="0"/>
-            <a:ext cx="12413673" cy="6858000"/>
-            <a:chOff x="-221673" y="0"/>
-            <a:chExt cx="12413673" cy="6858000"/>
+            <a:off x="-221673" y="-63650"/>
+            <a:ext cx="12413673" cy="6921650"/>
+            <a:chOff x="-221673" y="-63650"/>
+            <a:chExt cx="12413673" cy="6921650"/>
           </a:xfrm>
         </p:grpSpPr>
         <p:cxnSp>
@@ -3600,7 +3605,7 @@
           <p:spPr>
             <a:xfrm>
               <a:off x="91440" y="0"/>
-              <a:ext cx="3161211" cy="369332"/>
+              <a:ext cx="3161211" cy="646331"/>
             </a:xfrm>
             <a:prstGeom prst="rect">
               <a:avLst/>
@@ -3614,7 +3619,7 @@
             <a:lstStyle/>
             <a:p>
               <a:r>
-                <a:rPr lang="en-US" dirty="0"/>
+                <a:rPr lang="en-US" sz="3600" dirty="0"/>
                 <a:t>A) All aligned</a:t>
               </a:r>
             </a:p>
@@ -3634,7 +3639,7 @@
           </p:nvSpPr>
           <p:spPr>
             <a:xfrm>
-              <a:off x="7747263" y="631025"/>
+              <a:off x="1909159" y="4127988"/>
               <a:ext cx="1436915" cy="574766"/>
             </a:xfrm>
             <a:prstGeom prst="rect">
@@ -3690,7 +3695,7 @@
           </p:nvSpPr>
           <p:spPr>
             <a:xfrm rot="5400000">
-              <a:off x="9478885" y="1924248"/>
+              <a:off x="3640781" y="5421211"/>
               <a:ext cx="1436915" cy="574766"/>
             </a:xfrm>
             <a:prstGeom prst="rect">
@@ -3746,7 +3751,7 @@
           </p:nvSpPr>
           <p:spPr>
             <a:xfrm>
-              <a:off x="6526480" y="631025"/>
+              <a:off x="688376" y="4127988"/>
               <a:ext cx="457200" cy="457200"/>
             </a:xfrm>
             <a:prstGeom prst="rect">
@@ -3802,8 +3807,8 @@
           </p:nvSpPr>
           <p:spPr>
             <a:xfrm>
-              <a:off x="6022967" y="0"/>
-              <a:ext cx="3161211" cy="369332"/>
+              <a:off x="91440" y="3332017"/>
+              <a:ext cx="3161211" cy="646331"/>
             </a:xfrm>
             <a:prstGeom prst="rect">
               <a:avLst/>
@@ -3817,8 +3822,8 @@
             <a:lstStyle/>
             <a:p>
               <a:r>
-                <a:rPr lang="en-US" dirty="0"/>
-                <a:t>B) Two aligned</a:t>
+                <a:rPr lang="en-US" sz="3600" dirty="0"/>
+                <a:t>C) Two aligned</a:t>
               </a:r>
             </a:p>
           </p:txBody>
@@ -3837,7 +3842,7 @@
           </p:nvSpPr>
           <p:spPr>
             <a:xfrm>
-              <a:off x="2125485" y="4602084"/>
+              <a:off x="8007536" y="1091243"/>
               <a:ext cx="1436915" cy="574766"/>
             </a:xfrm>
             <a:prstGeom prst="rect">
@@ -3893,7 +3898,7 @@
           </p:nvSpPr>
           <p:spPr>
             <a:xfrm rot="5400000">
-              <a:off x="3894907" y="5778229"/>
+              <a:off x="10026139" y="2161234"/>
               <a:ext cx="1436915" cy="574766"/>
             </a:xfrm>
             <a:prstGeom prst="rect">
@@ -3949,7 +3954,7 @@
           </p:nvSpPr>
           <p:spPr>
             <a:xfrm>
-              <a:off x="904702" y="3701350"/>
+              <a:off x="6930444" y="491629"/>
               <a:ext cx="457200" cy="457200"/>
             </a:xfrm>
             <a:prstGeom prst="rect">
@@ -4005,8 +4010,8 @@
           </p:nvSpPr>
           <p:spPr>
             <a:xfrm>
-              <a:off x="91440" y="3332018"/>
-              <a:ext cx="3161211" cy="369332"/>
+              <a:off x="6025742" y="-63650"/>
+              <a:ext cx="5081447" cy="646331"/>
             </a:xfrm>
             <a:prstGeom prst="rect">
               <a:avLst/>
@@ -4020,8 +4025,8 @@
             <a:lstStyle/>
             <a:p>
               <a:r>
-                <a:rPr lang="en-US" dirty="0"/>
-                <a:t>C) None aligned</a:t>
+                <a:rPr lang="en-US" sz="3600" dirty="0"/>
+                <a:t>B) None aligned</a:t>
               </a:r>
             </a:p>
           </p:txBody>
@@ -4209,7 +4214,7 @@
           <p:spPr>
             <a:xfrm>
               <a:off x="6096000" y="3332018"/>
-              <a:ext cx="3161211" cy="369332"/>
+              <a:ext cx="4706983" cy="646331"/>
             </a:xfrm>
             <a:prstGeom prst="rect">
               <a:avLst/>
@@ -4223,7 +4228,7 @@
             <a:lstStyle/>
             <a:p>
               <a:r>
-                <a:rPr lang="en-US" dirty="0"/>
+                <a:rPr lang="en-US" sz="3600" dirty="0"/>
                 <a:t>D) Triangle alignment</a:t>
               </a:r>
             </a:p>
